--- a/Презентация места практики.pptx
+++ b/Презентация места практики.pptx
@@ -271,7 +271,7 @@
           <a:p>
             <a:fld id="{E02F742D-75F9-44E0-824B-1329408748FC}" type="datetimeFigureOut">
               <a:rPr lang="ru-RU" smtClean="0"/>
-              <a:t>21.05.2025</a:t>
+              <a:t>22.05.2025</a:t>
             </a:fld>
             <a:endParaRPr lang="ru-RU"/>
           </a:p>
@@ -469,7 +469,7 @@
           <a:p>
             <a:fld id="{E02F742D-75F9-44E0-824B-1329408748FC}" type="datetimeFigureOut">
               <a:rPr lang="ru-RU" smtClean="0"/>
-              <a:t>21.05.2025</a:t>
+              <a:t>22.05.2025</a:t>
             </a:fld>
             <a:endParaRPr lang="ru-RU"/>
           </a:p>
@@ -677,7 +677,7 @@
           <a:p>
             <a:fld id="{E02F742D-75F9-44E0-824B-1329408748FC}" type="datetimeFigureOut">
               <a:rPr lang="ru-RU" smtClean="0"/>
-              <a:t>21.05.2025</a:t>
+              <a:t>22.05.2025</a:t>
             </a:fld>
             <a:endParaRPr lang="ru-RU"/>
           </a:p>
@@ -875,7 +875,7 @@
           <a:p>
             <a:fld id="{E02F742D-75F9-44E0-824B-1329408748FC}" type="datetimeFigureOut">
               <a:rPr lang="ru-RU" smtClean="0"/>
-              <a:t>21.05.2025</a:t>
+              <a:t>22.05.2025</a:t>
             </a:fld>
             <a:endParaRPr lang="ru-RU"/>
           </a:p>
@@ -1150,7 +1150,7 @@
           <a:p>
             <a:fld id="{E02F742D-75F9-44E0-824B-1329408748FC}" type="datetimeFigureOut">
               <a:rPr lang="ru-RU" smtClean="0"/>
-              <a:t>21.05.2025</a:t>
+              <a:t>22.05.2025</a:t>
             </a:fld>
             <a:endParaRPr lang="ru-RU"/>
           </a:p>
@@ -1415,7 +1415,7 @@
           <a:p>
             <a:fld id="{E02F742D-75F9-44E0-824B-1329408748FC}" type="datetimeFigureOut">
               <a:rPr lang="ru-RU" smtClean="0"/>
-              <a:t>21.05.2025</a:t>
+              <a:t>22.05.2025</a:t>
             </a:fld>
             <a:endParaRPr lang="ru-RU"/>
           </a:p>
@@ -1827,7 +1827,7 @@
           <a:p>
             <a:fld id="{E02F742D-75F9-44E0-824B-1329408748FC}" type="datetimeFigureOut">
               <a:rPr lang="ru-RU" smtClean="0"/>
-              <a:t>21.05.2025</a:t>
+              <a:t>22.05.2025</a:t>
             </a:fld>
             <a:endParaRPr lang="ru-RU"/>
           </a:p>
@@ -1968,7 +1968,7 @@
           <a:p>
             <a:fld id="{E02F742D-75F9-44E0-824B-1329408748FC}" type="datetimeFigureOut">
               <a:rPr lang="ru-RU" smtClean="0"/>
-              <a:t>21.05.2025</a:t>
+              <a:t>22.05.2025</a:t>
             </a:fld>
             <a:endParaRPr lang="ru-RU"/>
           </a:p>
@@ -2081,7 +2081,7 @@
           <a:p>
             <a:fld id="{E02F742D-75F9-44E0-824B-1329408748FC}" type="datetimeFigureOut">
               <a:rPr lang="ru-RU" smtClean="0"/>
-              <a:t>21.05.2025</a:t>
+              <a:t>22.05.2025</a:t>
             </a:fld>
             <a:endParaRPr lang="ru-RU"/>
           </a:p>
@@ -2392,7 +2392,7 @@
           <a:p>
             <a:fld id="{E02F742D-75F9-44E0-824B-1329408748FC}" type="datetimeFigureOut">
               <a:rPr lang="ru-RU" smtClean="0"/>
-              <a:t>21.05.2025</a:t>
+              <a:t>22.05.2025</a:t>
             </a:fld>
             <a:endParaRPr lang="ru-RU"/>
           </a:p>
@@ -2680,7 +2680,7 @@
           <a:p>
             <a:fld id="{E02F742D-75F9-44E0-824B-1329408748FC}" type="datetimeFigureOut">
               <a:rPr lang="ru-RU" smtClean="0"/>
-              <a:t>21.05.2025</a:t>
+              <a:t>22.05.2025</a:t>
             </a:fld>
             <a:endParaRPr lang="ru-RU"/>
           </a:p>
@@ -2921,7 +2921,7 @@
           <a:p>
             <a:fld id="{E02F742D-75F9-44E0-824B-1329408748FC}" type="datetimeFigureOut">
               <a:rPr lang="ru-RU" smtClean="0"/>
-              <a:t>21.05.2025</a:t>
+              <a:t>22.05.2025</a:t>
             </a:fld>
             <a:endParaRPr lang="ru-RU"/>
           </a:p>
@@ -3391,29 +3391,21 @@
         </p:nvSpPr>
         <p:spPr/>
         <p:txBody>
-          <a:bodyPr/>
+          <a:bodyPr>
+            <a:normAutofit fontScale="90000"/>
+          </a:bodyPr>
           <a:lstStyle/>
           <a:p>
             <a:r>
               <a:rPr lang="ru-RU" dirty="0">
                 <a:solidFill>
-                  <a:srgbClr val="000000"/>
+                  <a:schemeClr val="accent5">
+                    <a:lumMod val="50000"/>
+                  </a:schemeClr>
                 </a:solidFill>
-                <a:latin typeface="IBM Plex Sans" panose="020F0502020204030204" pitchFamily="34" charset="0"/>
-              </a:rPr>
-              <a:t>П</a:t>
-            </a:r>
-            <a:r>
-              <a:rPr lang="ru-RU" b="0" i="0" dirty="0">
-                <a:solidFill>
-                  <a:srgbClr val="000000"/>
-                </a:solidFill>
-                <a:effectLst/>
-                <a:latin typeface="IBM Plex Sans" panose="020F0502020204030204" pitchFamily="34" charset="0"/>
-              </a:rPr>
-              <a:t>резентация места практики</a:t>
-            </a:r>
-            <a:endParaRPr lang="ru-RU" dirty="0"/>
+              </a:rPr>
+              <a:t>ПРЕЗЕНТАЦИЯ ПО ПРОИЗВОДСТСТВЕННОЙ ПРАКТИКЕ</a:t>
+            </a:r>
           </a:p>
         </p:txBody>
       </p:sp>
@@ -3438,7 +3430,33 @@
           <a:bodyPr/>
           <a:lstStyle/>
           <a:p>
-            <a:endParaRPr lang="ru-RU" dirty="0"/>
+            <a:r>
+              <a:rPr lang="ru-RU" dirty="0">
+                <a:solidFill>
+                  <a:schemeClr val="bg2">
+                    <a:lumMod val="10000"/>
+                  </a:schemeClr>
+                </a:solidFill>
+              </a:rPr>
+              <a:t>Выполнил студент группы ИС-37 Хидиров </a:t>
+            </a:r>
+            <a:r>
+              <a:rPr lang="ru-RU" dirty="0" err="1">
+                <a:solidFill>
+                  <a:schemeClr val="bg2">
+                    <a:lumMod val="10000"/>
+                  </a:schemeClr>
+                </a:solidFill>
+              </a:rPr>
+              <a:t>Джамедин</a:t>
+            </a:r>
+            <a:endParaRPr lang="ru-RU" dirty="0">
+              <a:solidFill>
+                <a:schemeClr val="bg2">
+                  <a:lumMod val="10000"/>
+                </a:schemeClr>
+              </a:solidFill>
+            </a:endParaRPr>
           </a:p>
         </p:txBody>
       </p:sp>

--- a/Презентация места практики.pptx
+++ b/Презентация места практики.pptx
@@ -271,7 +271,7 @@
           <a:p>
             <a:fld id="{E02F742D-75F9-44E0-824B-1329408748FC}" type="datetimeFigureOut">
               <a:rPr lang="ru-RU" smtClean="0"/>
-              <a:t>22.05.2025</a:t>
+              <a:t>25.05.2025</a:t>
             </a:fld>
             <a:endParaRPr lang="ru-RU"/>
           </a:p>
@@ -469,7 +469,7 @@
           <a:p>
             <a:fld id="{E02F742D-75F9-44E0-824B-1329408748FC}" type="datetimeFigureOut">
               <a:rPr lang="ru-RU" smtClean="0"/>
-              <a:t>22.05.2025</a:t>
+              <a:t>25.05.2025</a:t>
             </a:fld>
             <a:endParaRPr lang="ru-RU"/>
           </a:p>
@@ -677,7 +677,7 @@
           <a:p>
             <a:fld id="{E02F742D-75F9-44E0-824B-1329408748FC}" type="datetimeFigureOut">
               <a:rPr lang="ru-RU" smtClean="0"/>
-              <a:t>22.05.2025</a:t>
+              <a:t>25.05.2025</a:t>
             </a:fld>
             <a:endParaRPr lang="ru-RU"/>
           </a:p>
@@ -875,7 +875,7 @@
           <a:p>
             <a:fld id="{E02F742D-75F9-44E0-824B-1329408748FC}" type="datetimeFigureOut">
               <a:rPr lang="ru-RU" smtClean="0"/>
-              <a:t>22.05.2025</a:t>
+              <a:t>25.05.2025</a:t>
             </a:fld>
             <a:endParaRPr lang="ru-RU"/>
           </a:p>
@@ -1150,7 +1150,7 @@
           <a:p>
             <a:fld id="{E02F742D-75F9-44E0-824B-1329408748FC}" type="datetimeFigureOut">
               <a:rPr lang="ru-RU" smtClean="0"/>
-              <a:t>22.05.2025</a:t>
+              <a:t>25.05.2025</a:t>
             </a:fld>
             <a:endParaRPr lang="ru-RU"/>
           </a:p>
@@ -1415,7 +1415,7 @@
           <a:p>
             <a:fld id="{E02F742D-75F9-44E0-824B-1329408748FC}" type="datetimeFigureOut">
               <a:rPr lang="ru-RU" smtClean="0"/>
-              <a:t>22.05.2025</a:t>
+              <a:t>25.05.2025</a:t>
             </a:fld>
             <a:endParaRPr lang="ru-RU"/>
           </a:p>
@@ -1827,7 +1827,7 @@
           <a:p>
             <a:fld id="{E02F742D-75F9-44E0-824B-1329408748FC}" type="datetimeFigureOut">
               <a:rPr lang="ru-RU" smtClean="0"/>
-              <a:t>22.05.2025</a:t>
+              <a:t>25.05.2025</a:t>
             </a:fld>
             <a:endParaRPr lang="ru-RU"/>
           </a:p>
@@ -1968,7 +1968,7 @@
           <a:p>
             <a:fld id="{E02F742D-75F9-44E0-824B-1329408748FC}" type="datetimeFigureOut">
               <a:rPr lang="ru-RU" smtClean="0"/>
-              <a:t>22.05.2025</a:t>
+              <a:t>25.05.2025</a:t>
             </a:fld>
             <a:endParaRPr lang="ru-RU"/>
           </a:p>
@@ -2081,7 +2081,7 @@
           <a:p>
             <a:fld id="{E02F742D-75F9-44E0-824B-1329408748FC}" type="datetimeFigureOut">
               <a:rPr lang="ru-RU" smtClean="0"/>
-              <a:t>22.05.2025</a:t>
+              <a:t>25.05.2025</a:t>
             </a:fld>
             <a:endParaRPr lang="ru-RU"/>
           </a:p>
@@ -2392,7 +2392,7 @@
           <a:p>
             <a:fld id="{E02F742D-75F9-44E0-824B-1329408748FC}" type="datetimeFigureOut">
               <a:rPr lang="ru-RU" smtClean="0"/>
-              <a:t>22.05.2025</a:t>
+              <a:t>25.05.2025</a:t>
             </a:fld>
             <a:endParaRPr lang="ru-RU"/>
           </a:p>
@@ -2680,7 +2680,7 @@
           <a:p>
             <a:fld id="{E02F742D-75F9-44E0-824B-1329408748FC}" type="datetimeFigureOut">
               <a:rPr lang="ru-RU" smtClean="0"/>
-              <a:t>22.05.2025</a:t>
+              <a:t>25.05.2025</a:t>
             </a:fld>
             <a:endParaRPr lang="ru-RU"/>
           </a:p>
@@ -2921,7 +2921,7 @@
           <a:p>
             <a:fld id="{E02F742D-75F9-44E0-824B-1329408748FC}" type="datetimeFigureOut">
               <a:rPr lang="ru-RU" smtClean="0"/>
-              <a:t>22.05.2025</a:t>
+              <a:t>25.05.2025</a:t>
             </a:fld>
             <a:endParaRPr lang="ru-RU"/>
           </a:p>
@@ -6382,7 +6382,39 @@
                 </a:effectLst>
                 <a:latin typeface="IBM Plex Sans" panose="020B0503050203000203" pitchFamily="34" charset="0"/>
               </a:rPr>
-              <a:t>Администрация села Куруш располагается в живописном регионе с важными административными функциями. Главными направлениями деятельности являются управление территорией и обеспечение мероприятий в селе.</a:t>
+              <a:t>Администрация села Куруш располагается в </a:t>
+            </a:r>
+            <a:r>
+              <a:rPr lang="ru-RU" b="0" i="0">
+                <a:solidFill>
+                  <a:srgbClr val="000000"/>
+                </a:solidFill>
+                <a:effectLst>
+                  <a:outerShdw blurRad="50800" dist="50800" dir="5400000" algn="ctr" rotWithShape="0">
+                    <a:srgbClr val="000000">
+                      <a:alpha val="0"/>
+                    </a:srgbClr>
+                  </a:outerShdw>
+                </a:effectLst>
+                <a:latin typeface="IBM Plex Sans" panose="020B0503050203000203" pitchFamily="34" charset="0"/>
+              </a:rPr>
+              <a:t>живописном районе </a:t>
+            </a:r>
+            <a:r>
+              <a:rPr lang="ru-RU" b="0" i="0" dirty="0">
+                <a:solidFill>
+                  <a:srgbClr val="000000"/>
+                </a:solidFill>
+                <a:effectLst>
+                  <a:outerShdw blurRad="50800" dist="50800" dir="5400000" algn="ctr" rotWithShape="0">
+                    <a:srgbClr val="000000">
+                      <a:alpha val="0"/>
+                    </a:srgbClr>
+                  </a:outerShdw>
+                </a:effectLst>
+                <a:latin typeface="IBM Plex Sans" panose="020B0503050203000203" pitchFamily="34" charset="0"/>
+              </a:rPr>
+              <a:t>с важными административными функциями. Главными направлениями деятельности являются управление территорией и обеспечение мероприятий в селе.</a:t>
             </a:r>
             <a:endParaRPr lang="ru-RU" dirty="0">
               <a:effectLst>
@@ -6425,7 +6457,7 @@
         <p:spPr>
           <a:xfrm>
             <a:off x="2471738" y="3182774"/>
-            <a:ext cx="6186488" cy="3357726"/>
+            <a:ext cx="4274119" cy="2319785"/>
           </a:xfrm>
           <a:prstGeom prst="rect">
             <a:avLst/>

--- a/Презентация места практики.pptx
+++ b/Презентация места практики.pptx
@@ -7319,25 +7319,25 @@
               </a:rPr>
               <a:t>Telegram</a:t>
             </a:r>
+            <a:br>
+              <a:rPr lang="ru-RU" b="0" i="0">
+                <a:effectLst/>
+                <a:latin typeface="system-ui"/>
+              </a:rPr>
+            </a:br>
+            <a:r>
+              <a:rPr lang="ru-RU" b="0" i="0">
+                <a:effectLst/>
+                <a:latin typeface="system-ui"/>
+              </a:rPr>
+              <a:t>Мессенджер </a:t>
+            </a:r>
             <a:r>
               <a:rPr lang="ru-RU" b="0" i="0" dirty="0">
                 <a:effectLst/>
                 <a:latin typeface="system-ui"/>
               </a:rPr>
-              <a:t> и Skype</a:t>
-            </a:r>
-            <a:br>
-              <a:rPr lang="ru-RU" b="0" i="0" dirty="0">
-                <a:effectLst/>
-                <a:latin typeface="system-ui"/>
-              </a:rPr>
-            </a:br>
-            <a:r>
-              <a:rPr lang="ru-RU" b="0" i="0" dirty="0">
-                <a:effectLst/>
-                <a:latin typeface="system-ui"/>
-              </a:rPr>
-              <a:t>Мессенджеры для внутренней коммуникации и связи с внешними организациями.</a:t>
+              <a:t>для внутренней коммуникации и связи с внешними организациями.</a:t>
             </a:r>
             <a:br>
               <a:rPr lang="ru-RU" b="0" i="0" dirty="0">
@@ -7460,14 +7460,7 @@
                 <a:effectLst/>
                 <a:latin typeface="system-ui"/>
               </a:rPr>
-              <a:t> Studio и </a:t>
-            </a:r>
-            <a:r>
-              <a:rPr lang="en-US" b="0" i="0" dirty="0">
-                <a:effectLst/>
-                <a:latin typeface="system-ui"/>
-              </a:rPr>
-              <a:t>Visual Studio Code</a:t>
+              <a:t> Studio</a:t>
             </a:r>
             <a:br>
               <a:rPr lang="ru-RU" b="0" i="0" dirty="0">
@@ -7480,7 +7473,7 @@
                 <a:effectLst/>
                 <a:latin typeface="system-ui"/>
               </a:rPr>
-              <a:t>Инструменты для разработки и тестирования мобильного приложения.</a:t>
+              <a:t>Инструмент для разработки и тестирования мобильного приложения.</a:t>
             </a:r>
             <a:br>
               <a:rPr lang="ru-RU" b="0" i="0" dirty="0">
